--- a/Design/Mission State Machine.pptx
+++ b/Design/Mission State Machine.pptx
@@ -111,6 +111,11 @@
       </a:defRPr>
     </a:lvl9pPr>
   </p:defaultTextStyle>
+  <p:extLst>
+    <p:ext uri="{EFAFB233-063F-42B5-8137-9DF3F51BA10A}">
+      <p15:sldGuideLst xmlns:p15="http://schemas.microsoft.com/office/powerpoint/2012/main"/>
+    </p:ext>
+  </p:extLst>
 </p:presentation>
 </file>
 
@@ -245,7 +250,7 @@
           <a:p>
             <a:fld id="{FB5AAD4F-408E-452A-87EE-C08691ACB94C}" type="datetimeFigureOut">
               <a:rPr lang="en-US" smtClean="0"/>
-              <a:t>10/18/2015</a:t>
+              <a:t>12/12/2015</a:t>
             </a:fld>
             <a:endParaRPr lang="en-US"/>
           </a:p>
@@ -415,7 +420,7 @@
           <a:p>
             <a:fld id="{FB5AAD4F-408E-452A-87EE-C08691ACB94C}" type="datetimeFigureOut">
               <a:rPr lang="en-US" smtClean="0"/>
-              <a:t>10/18/2015</a:t>
+              <a:t>12/12/2015</a:t>
             </a:fld>
             <a:endParaRPr lang="en-US"/>
           </a:p>
@@ -595,7 +600,7 @@
           <a:p>
             <a:fld id="{FB5AAD4F-408E-452A-87EE-C08691ACB94C}" type="datetimeFigureOut">
               <a:rPr lang="en-US" smtClean="0"/>
-              <a:t>10/18/2015</a:t>
+              <a:t>12/12/2015</a:t>
             </a:fld>
             <a:endParaRPr lang="en-US"/>
           </a:p>
@@ -765,7 +770,7 @@
           <a:p>
             <a:fld id="{FB5AAD4F-408E-452A-87EE-C08691ACB94C}" type="datetimeFigureOut">
               <a:rPr lang="en-US" smtClean="0"/>
-              <a:t>10/18/2015</a:t>
+              <a:t>12/12/2015</a:t>
             </a:fld>
             <a:endParaRPr lang="en-US"/>
           </a:p>
@@ -1011,7 +1016,7 @@
           <a:p>
             <a:fld id="{FB5AAD4F-408E-452A-87EE-C08691ACB94C}" type="datetimeFigureOut">
               <a:rPr lang="en-US" smtClean="0"/>
-              <a:t>10/18/2015</a:t>
+              <a:t>12/12/2015</a:t>
             </a:fld>
             <a:endParaRPr lang="en-US"/>
           </a:p>
@@ -1243,7 +1248,7 @@
           <a:p>
             <a:fld id="{FB5AAD4F-408E-452A-87EE-C08691ACB94C}" type="datetimeFigureOut">
               <a:rPr lang="en-US" smtClean="0"/>
-              <a:t>10/18/2015</a:t>
+              <a:t>12/12/2015</a:t>
             </a:fld>
             <a:endParaRPr lang="en-US"/>
           </a:p>
@@ -1610,7 +1615,7 @@
           <a:p>
             <a:fld id="{FB5AAD4F-408E-452A-87EE-C08691ACB94C}" type="datetimeFigureOut">
               <a:rPr lang="en-US" smtClean="0"/>
-              <a:t>10/18/2015</a:t>
+              <a:t>12/12/2015</a:t>
             </a:fld>
             <a:endParaRPr lang="en-US"/>
           </a:p>
@@ -1728,7 +1733,7 @@
           <a:p>
             <a:fld id="{FB5AAD4F-408E-452A-87EE-C08691ACB94C}" type="datetimeFigureOut">
               <a:rPr lang="en-US" smtClean="0"/>
-              <a:t>10/18/2015</a:t>
+              <a:t>12/12/2015</a:t>
             </a:fld>
             <a:endParaRPr lang="en-US"/>
           </a:p>
@@ -1823,7 +1828,7 @@
           <a:p>
             <a:fld id="{FB5AAD4F-408E-452A-87EE-C08691ACB94C}" type="datetimeFigureOut">
               <a:rPr lang="en-US" smtClean="0"/>
-              <a:t>10/18/2015</a:t>
+              <a:t>12/12/2015</a:t>
             </a:fld>
             <a:endParaRPr lang="en-US"/>
           </a:p>
@@ -2100,7 +2105,7 @@
           <a:p>
             <a:fld id="{FB5AAD4F-408E-452A-87EE-C08691ACB94C}" type="datetimeFigureOut">
               <a:rPr lang="en-US" smtClean="0"/>
-              <a:t>10/18/2015</a:t>
+              <a:t>12/12/2015</a:t>
             </a:fld>
             <a:endParaRPr lang="en-US"/>
           </a:p>
@@ -2353,7 +2358,7 @@
           <a:p>
             <a:fld id="{FB5AAD4F-408E-452A-87EE-C08691ACB94C}" type="datetimeFigureOut">
               <a:rPr lang="en-US" smtClean="0"/>
-              <a:t>10/18/2015</a:t>
+              <a:t>12/12/2015</a:t>
             </a:fld>
             <a:endParaRPr lang="en-US"/>
           </a:p>
@@ -2566,7 +2571,7 @@
           <a:p>
             <a:fld id="{FB5AAD4F-408E-452A-87EE-C08691ACB94C}" type="datetimeFigureOut">
               <a:rPr lang="en-US" smtClean="0"/>
-              <a:t>10/18/2015</a:t>
+              <a:t>12/12/2015</a:t>
             </a:fld>
             <a:endParaRPr lang="en-US"/>
           </a:p>
@@ -4037,8 +4042,17 @@
             <a:pPr lvl="1"/>
             <a:r>
               <a:rPr lang="en-US" dirty="0" smtClean="0"/>
-              <a:t>Client commands Drone take-off</a:t>
-            </a:r>
+              <a:t>Client commands Drone </a:t>
+            </a:r>
+            <a:r>
+              <a:rPr lang="en-US" dirty="0" smtClean="0"/>
+              <a:t>take-off (</a:t>
+            </a:r>
+            <a:r>
+              <a:rPr lang="en-US" smtClean="0"/>
+              <a:t>operator input)</a:t>
+            </a:r>
+            <a:endParaRPr lang="en-US" dirty="0" smtClean="0"/>
           </a:p>
           <a:p>
             <a:pPr lvl="1"/>
